--- a/Workshop 3/b. SG Lines TEAM 1 Application Architecture - Presentation.pptx
+++ b/Workshop 3/b. SG Lines TEAM 1 Application Architecture - Presentation.pptx
@@ -5171,7 +5171,6 @@
               <a:rPr lang="en-SG" dirty="0" smtClean="0"/>
               <a:t>Application Principles</a:t>
             </a:r>
-            <a:endParaRPr lang="en-SG" dirty="0" smtClean="0"/>
           </a:p>
         </p:txBody>
       </p:sp>
@@ -5954,18 +5953,6 @@
                         </a:rPr>
                         <a:t>Guidelines for user interfaces should not be constrained by narrow assumptions about user location, language, systems training, or physical capability. Factors such as linguistics, customer physical infirmities (visual acuity, ability to use keyboard/mouse), and proficiency in the use of technology have broad ramifications in determining the ease-of-use of an application.</a:t>
                       </a:r>
-                      <a:endParaRPr kumimoji="0" lang="en-US" sz="1200" b="0" i="0" u="none" strike="noStrike" cap="none" normalizeH="0" baseline="0" dirty="0" smtClean="0">
-                        <a:ln>
-                          <a:noFill/>
-                        </a:ln>
-                        <a:solidFill>
-                          <a:srgbClr val="000000"/>
-                        </a:solidFill>
-                        <a:effectLst/>
-                        <a:latin typeface="+mn-lt"/>
-                        <a:ea typeface="SimSun" pitchFamily="2" charset="-122"/>
-                        <a:cs typeface="Arial" charset="0"/>
-                      </a:endParaRPr>
                     </a:p>
                   </a:txBody>
                   <a:tcPr marL="42876" marR="42876" marT="0" marB="0" horzOverflow="overflow">
@@ -8342,12 +8329,12 @@
           <a:graphicData uri="http://schemas.openxmlformats.org/presentationml/2006/ole">
             <mc:AlternateContent xmlns:mc="http://schemas.openxmlformats.org/markup-compatibility/2006">
               <mc:Choice xmlns:v="urn:schemas-microsoft-com:vml" Requires="v">
-                <p:oleObj spid="_x0000_s66566" name="Visio" r:id="rId3" imgW="3876697" imgH="2667171" progId="Visio.Drawing.15">
+                <p:oleObj spid="_x0000_s66567" name="Visio" r:id="rId4" imgW="3876697" imgH="2667171" progId="Visio.Drawing.15">
                   <p:embed/>
                 </p:oleObj>
               </mc:Choice>
               <mc:Fallback>
-                <p:oleObj name="Visio" r:id="rId3" imgW="3876697" imgH="2667171" progId="Visio.Drawing.15">
+                <p:oleObj name="Visio" r:id="rId4" imgW="3876697" imgH="2667171" progId="Visio.Drawing.15">
                   <p:embed/>
                   <p:pic>
                     <p:nvPicPr>
@@ -8358,7 +8345,7 @@
                       <p:nvPr/>
                     </p:nvPicPr>
                     <p:blipFill>
-                      <a:blip r:embed="rId4">
+                      <a:blip r:embed="rId5">
                         <a:extLst>
                           <a:ext uri="{28A0092B-C50C-407E-A947-70E740481C1C}">
                             <a14:useLocalDpi xmlns:a14="http://schemas.microsoft.com/office/drawing/2010/main" val="0"/>
@@ -10085,12 +10072,12 @@
           <a:graphicData uri="http://schemas.openxmlformats.org/presentationml/2006/ole">
             <mc:AlternateContent xmlns:mc="http://schemas.openxmlformats.org/markup-compatibility/2006">
               <mc:Choice xmlns:v="urn:schemas-microsoft-com:vml" Requires="v">
-                <p:oleObj spid="_x0000_s63494" name="Visio" r:id="rId3" imgW="6442626" imgH="4930616" progId="Visio.Drawing.11">
+                <p:oleObj spid="_x0000_s63495" name="Visio" r:id="rId4" imgW="6442626" imgH="4930616" progId="Visio.Drawing.11">
                   <p:embed/>
                 </p:oleObj>
               </mc:Choice>
               <mc:Fallback>
-                <p:oleObj name="Visio" r:id="rId3" imgW="6442626" imgH="4930616" progId="Visio.Drawing.11">
+                <p:oleObj name="Visio" r:id="rId4" imgW="6442626" imgH="4930616" progId="Visio.Drawing.11">
                   <p:embed/>
                   <p:pic>
                     <p:nvPicPr>
@@ -10101,7 +10088,7 @@
                       <p:nvPr/>
                     </p:nvPicPr>
                     <p:blipFill>
-                      <a:blip r:embed="rId4">
+                      <a:blip r:embed="rId5">
                         <a:extLst>
                           <a:ext uri="{28A0092B-C50C-407E-A947-70E740481C1C}">
                             <a14:useLocalDpi xmlns:a14="http://schemas.microsoft.com/office/drawing/2010/main" val="0"/>
@@ -10205,22 +10192,13 @@
           <a:lstStyle/>
           <a:p>
             <a:r>
-              <a:rPr lang="en-SG" sz="3200" dirty="0" smtClean="0">
+              <a:rPr lang="en-SG" sz="3200" dirty="0">
                 <a:solidFill>
                   <a:schemeClr val="tx2"/>
                 </a:solidFill>
                 <a:latin typeface="Bookman Old Style" pitchFamily="18" charset="0"/>
               </a:rPr>
-              <a:t>Current Application Portfolio </a:t>
-            </a:r>
-            <a:r>
-              <a:rPr lang="en-SG" sz="3200" dirty="0" err="1" smtClean="0">
-                <a:solidFill>
-                  <a:schemeClr val="tx2"/>
-                </a:solidFill>
-                <a:latin typeface="Bookman Old Style" pitchFamily="18" charset="0"/>
-              </a:rPr>
-              <a:t>Catalog</a:t>
+              <a:t>Target System/Business Function Matrix </a:t>
             </a:r>
             <a:endParaRPr lang="en-SG" sz="3200" dirty="0">
               <a:solidFill>
